--- a/OneDay-KimbabHeaven/OneDay_김밥나라_조아영.pptx
+++ b/OneDay-KimbabHeaven/OneDay_김밥나라_조아영.pptx
@@ -5100,15 +5100,29 @@
         </p:nvSpPr>
         <p:spPr>
           <a:xfrm>
-            <a:off x="1524000" y="4091435"/>
-            <a:ext cx="9144000" cy="1655762"/>
-          </a:xfrm>
-        </p:spPr>
-        <p:txBody>
-          <a:bodyPr/>
-          <a:lstStyle/>
-          <a:p>
-            <a:endParaRPr lang="ko-KR" altLang="en-US"/>
+            <a:off x="1524000" y="6226024"/>
+            <a:ext cx="9144000" cy="329323"/>
+          </a:xfrm>
+        </p:spPr>
+        <p:txBody>
+          <a:bodyPr>
+            <a:normAutofit/>
+          </a:bodyPr>
+          <a:lstStyle/>
+          <a:p>
+            <a:r>
+              <a:rPr lang="ko-KR" altLang="en-US" sz="1600" dirty="0" err="1"/>
+              <a:t>깃허브주소</a:t>
+            </a:r>
+            <a:r>
+              <a:rPr lang="ko-KR" altLang="en-US" sz="1600" dirty="0"/>
+              <a:t> </a:t>
+            </a:r>
+            <a:r>
+              <a:rPr lang="en-US" altLang="ko-KR" sz="1600" dirty="0"/>
+              <a:t>: https://github.com/dkdud8140/NodeJs/tree/main/OneDay-KimbabHeaven</a:t>
+            </a:r>
+            <a:endParaRPr lang="ko-KR" altLang="en-US" sz="1600" dirty="0"/>
           </a:p>
         </p:txBody>
       </p:sp>
